--- a/Presentation/Portfolio Project.pptx
+++ b/Presentation/Portfolio Project.pptx
@@ -14,6 +14,7 @@
     <p:sldId id="262" r:id="rId8"/>
     <p:sldId id="263" r:id="rId9"/>
     <p:sldId id="264" r:id="rId10"/>
+    <p:sldId id="265" r:id="rId11"/>
   </p:sldIdLst>
   <p:sldSz cx="12192000" cy="6858000"/>
   <p:notesSz cx="6858000" cy="9144000"/>
@@ -112,6 +113,11 @@
       </a:defRPr>
     </a:lvl9pPr>
   </p:defaultTextStyle>
+  <p:extLst>
+    <p:ext uri="{EFAFB233-063F-42B5-8137-9DF3F51BA10A}">
+      <p15:sldGuideLst xmlns:p15="http://schemas.microsoft.com/office/powerpoint/2012/main"/>
+    </p:ext>
+  </p:extLst>
 </p:presentation>
 </file>
 
@@ -750,7 +756,7 @@
           <a:p>
             <a:fld id="{2FED5A3E-B62B-4306-8E16-FBD852DA6399}" type="datetimeFigureOut">
               <a:rPr lang="de-DE" smtClean="0"/>
-              <a:t>09.12.2024</a:t>
+              <a:t>10.12.2024</a:t>
             </a:fld>
             <a:endParaRPr lang="de-DE"/>
           </a:p>
@@ -920,7 +926,7 @@
           <a:p>
             <a:fld id="{2FED5A3E-B62B-4306-8E16-FBD852DA6399}" type="datetimeFigureOut">
               <a:rPr lang="de-DE" smtClean="0"/>
-              <a:t>09.12.2024</a:t>
+              <a:t>10.12.2024</a:t>
             </a:fld>
             <a:endParaRPr lang="de-DE"/>
           </a:p>
@@ -1100,7 +1106,7 @@
           <a:p>
             <a:fld id="{2FED5A3E-B62B-4306-8E16-FBD852DA6399}" type="datetimeFigureOut">
               <a:rPr lang="de-DE" smtClean="0"/>
-              <a:t>09.12.2024</a:t>
+              <a:t>10.12.2024</a:t>
             </a:fld>
             <a:endParaRPr lang="de-DE"/>
           </a:p>
@@ -1270,7 +1276,7 @@
           <a:p>
             <a:fld id="{2FED5A3E-B62B-4306-8E16-FBD852DA6399}" type="datetimeFigureOut">
               <a:rPr lang="de-DE" smtClean="0"/>
-              <a:t>09.12.2024</a:t>
+              <a:t>10.12.2024</a:t>
             </a:fld>
             <a:endParaRPr lang="de-DE"/>
           </a:p>
@@ -1516,7 +1522,7 @@
           <a:p>
             <a:fld id="{2FED5A3E-B62B-4306-8E16-FBD852DA6399}" type="datetimeFigureOut">
               <a:rPr lang="de-DE" smtClean="0"/>
-              <a:t>09.12.2024</a:t>
+              <a:t>10.12.2024</a:t>
             </a:fld>
             <a:endParaRPr lang="de-DE"/>
           </a:p>
@@ -1748,7 +1754,7 @@
           <a:p>
             <a:fld id="{2FED5A3E-B62B-4306-8E16-FBD852DA6399}" type="datetimeFigureOut">
               <a:rPr lang="de-DE" smtClean="0"/>
-              <a:t>09.12.2024</a:t>
+              <a:t>10.12.2024</a:t>
             </a:fld>
             <a:endParaRPr lang="de-DE"/>
           </a:p>
@@ -2115,7 +2121,7 @@
           <a:p>
             <a:fld id="{2FED5A3E-B62B-4306-8E16-FBD852DA6399}" type="datetimeFigureOut">
               <a:rPr lang="de-DE" smtClean="0"/>
-              <a:t>09.12.2024</a:t>
+              <a:t>10.12.2024</a:t>
             </a:fld>
             <a:endParaRPr lang="de-DE"/>
           </a:p>
@@ -2233,7 +2239,7 @@
           <a:p>
             <a:fld id="{2FED5A3E-B62B-4306-8E16-FBD852DA6399}" type="datetimeFigureOut">
               <a:rPr lang="de-DE" smtClean="0"/>
-              <a:t>09.12.2024</a:t>
+              <a:t>10.12.2024</a:t>
             </a:fld>
             <a:endParaRPr lang="de-DE"/>
           </a:p>
@@ -2328,7 +2334,7 @@
           <a:p>
             <a:fld id="{2FED5A3E-B62B-4306-8E16-FBD852DA6399}" type="datetimeFigureOut">
               <a:rPr lang="de-DE" smtClean="0"/>
-              <a:t>09.12.2024</a:t>
+              <a:t>10.12.2024</a:t>
             </a:fld>
             <a:endParaRPr lang="de-DE"/>
           </a:p>
@@ -2605,7 +2611,7 @@
           <a:p>
             <a:fld id="{2FED5A3E-B62B-4306-8E16-FBD852DA6399}" type="datetimeFigureOut">
               <a:rPr lang="de-DE" smtClean="0"/>
-              <a:t>09.12.2024</a:t>
+              <a:t>10.12.2024</a:t>
             </a:fld>
             <a:endParaRPr lang="de-DE"/>
           </a:p>
@@ -2862,7 +2868,7 @@
           <a:p>
             <a:fld id="{2FED5A3E-B62B-4306-8E16-FBD852DA6399}" type="datetimeFigureOut">
               <a:rPr lang="de-DE" smtClean="0"/>
-              <a:t>09.12.2024</a:t>
+              <a:t>10.12.2024</a:t>
             </a:fld>
             <a:endParaRPr lang="de-DE"/>
           </a:p>
@@ -3075,7 +3081,7 @@
           <a:p>
             <a:fld id="{2FED5A3E-B62B-4306-8E16-FBD852DA6399}" type="datetimeFigureOut">
               <a:rPr lang="de-DE" smtClean="0"/>
-              <a:t>09.12.2024</a:t>
+              <a:t>10.12.2024</a:t>
             </a:fld>
             <a:endParaRPr lang="de-DE"/>
           </a:p>
@@ -3563,6 +3569,135 @@
 </p:sld>
 </file>
 
+<file path=ppt/slides/slide10.xml><?xml version="1.0" encoding="utf-8"?>
+<p:sld xmlns:a="http://schemas.openxmlformats.org/drawingml/2006/main" xmlns:r="http://schemas.openxmlformats.org/officeDocument/2006/relationships" xmlns:p="http://schemas.openxmlformats.org/presentationml/2006/main">
+  <p:cSld>
+    <p:spTree>
+      <p:nvGrpSpPr>
+        <p:cNvPr id="1" name=""/>
+        <p:cNvGrpSpPr/>
+        <p:nvPr/>
+      </p:nvGrpSpPr>
+      <p:grpSpPr>
+        <a:xfrm>
+          <a:off x="0" y="0"/>
+          <a:ext cx="0" cy="0"/>
+          <a:chOff x="0" y="0"/>
+          <a:chExt cx="0" cy="0"/>
+        </a:xfrm>
+      </p:grpSpPr>
+      <p:sp>
+        <p:nvSpPr>
+          <p:cNvPr id="2" name="Title 1">
+            <a:extLst>
+              <a:ext uri="{FF2B5EF4-FFF2-40B4-BE49-F238E27FC236}">
+                <a16:creationId xmlns:a16="http://schemas.microsoft.com/office/drawing/2014/main" id="{9523ED67-326F-B573-822B-49C9DE1B4B6A}"/>
+              </a:ext>
+            </a:extLst>
+          </p:cNvPr>
+          <p:cNvSpPr>
+            <a:spLocks noGrp="1"/>
+          </p:cNvSpPr>
+          <p:nvPr>
+            <p:ph type="title"/>
+          </p:nvPr>
+        </p:nvSpPr>
+        <p:spPr/>
+        <p:txBody>
+          <a:bodyPr/>
+          <a:lstStyle/>
+          <a:p>
+            <a:r>
+              <a:rPr lang="de-DE" dirty="0"/>
+              <a:t>Target</a:t>
+            </a:r>
+          </a:p>
+        </p:txBody>
+      </p:sp>
+      <p:sp>
+        <p:nvSpPr>
+          <p:cNvPr id="3" name="Content Placeholder 2">
+            <a:extLst>
+              <a:ext uri="{FF2B5EF4-FFF2-40B4-BE49-F238E27FC236}">
+                <a16:creationId xmlns:a16="http://schemas.microsoft.com/office/drawing/2014/main" id="{5B01CA8E-F3F0-F529-1D7E-F1ED0F1DB2AF}"/>
+              </a:ext>
+            </a:extLst>
+          </p:cNvPr>
+          <p:cNvSpPr>
+            <a:spLocks noGrp="1"/>
+          </p:cNvSpPr>
+          <p:nvPr>
+            <p:ph idx="1"/>
+          </p:nvPr>
+        </p:nvSpPr>
+        <p:spPr/>
+        <p:txBody>
+          <a:bodyPr/>
+          <a:lstStyle/>
+          <a:p>
+            <a:r>
+              <a:rPr lang="de-DE" dirty="0"/>
+              <a:t>3D </a:t>
+            </a:r>
+            <a:r>
+              <a:rPr lang="de-DE" dirty="0" err="1"/>
+              <a:t>obstacle</a:t>
+            </a:r>
+            <a:r>
+              <a:rPr lang="de-DE" dirty="0"/>
+              <a:t> </a:t>
+            </a:r>
+            <a:r>
+              <a:rPr lang="de-DE" dirty="0" err="1"/>
+              <a:t>avoiding</a:t>
+            </a:r>
+            <a:endParaRPr lang="de-DE" dirty="0"/>
+          </a:p>
+        </p:txBody>
+      </p:sp>
+      <p:pic>
+        <p:nvPicPr>
+          <p:cNvPr id="9" name="Picture 8">
+            <a:extLst>
+              <a:ext uri="{FF2B5EF4-FFF2-40B4-BE49-F238E27FC236}">
+                <a16:creationId xmlns:a16="http://schemas.microsoft.com/office/drawing/2014/main" id="{A9886194-6C99-F4A3-14B7-5369CA4A28BD}"/>
+              </a:ext>
+            </a:extLst>
+          </p:cNvPr>
+          <p:cNvPicPr>
+            <a:picLocks noChangeAspect="1"/>
+          </p:cNvPicPr>
+          <p:nvPr/>
+        </p:nvPicPr>
+        <p:blipFill>
+          <a:blip r:embed="rId2"/>
+          <a:stretch>
+            <a:fillRect/>
+          </a:stretch>
+        </p:blipFill>
+        <p:spPr>
+          <a:xfrm>
+            <a:off x="2999232" y="2969163"/>
+            <a:ext cx="5078790" cy="3342737"/>
+          </a:xfrm>
+          <a:prstGeom prst="rect">
+            <a:avLst/>
+          </a:prstGeom>
+        </p:spPr>
+      </p:pic>
+    </p:spTree>
+    <p:extLst>
+      <p:ext uri="{BB962C8B-B14F-4D97-AF65-F5344CB8AC3E}">
+        <p14:creationId xmlns:p14="http://schemas.microsoft.com/office/powerpoint/2010/main" val="2901958876"/>
+      </p:ext>
+    </p:extLst>
+  </p:cSld>
+  <p:clrMapOvr>
+    <a:masterClrMapping/>
+  </p:clrMapOvr>
+</p:sld>
+</file>
+
 <file path=ppt/slides/slide2.xml><?xml version="1.0" encoding="utf-8"?>
 <p:sld xmlns:a="http://schemas.openxmlformats.org/drawingml/2006/main" xmlns:r="http://schemas.openxmlformats.org/officeDocument/2006/relationships" xmlns:p="http://schemas.openxmlformats.org/presentationml/2006/main">
   <p:cSld>
@@ -3973,8 +4108,8 @@
           </a:p>
         </p:txBody>
       </p:sp>
-      <mc:AlternateContent xmlns:mc="http://schemas.openxmlformats.org/markup-compatibility/2006">
-        <mc:Choice xmlns:p14="http://schemas.microsoft.com/office/powerpoint/2010/main" Requires="p14">
+      <mc:AlternateContent xmlns:mc="http://schemas.openxmlformats.org/markup-compatibility/2006" xmlns:p14="http://schemas.microsoft.com/office/powerpoint/2010/main">
+        <mc:Choice Requires="p14">
           <p:contentPart p14:bwMode="auto" r:id="rId2">
             <p14:nvContentPartPr>
               <p14:cNvPr id="4" name="Ink 3">
@@ -3993,7 +4128,7 @@
             </p14:xfrm>
           </p:contentPart>
         </mc:Choice>
-        <mc:Fallback>
+        <mc:Fallback xmlns="">
           <p:pic>
             <p:nvPicPr>
               <p:cNvPr id="4" name="Ink 3">
@@ -4024,8 +4159,8 @@
           </p:pic>
         </mc:Fallback>
       </mc:AlternateContent>
-      <mc:AlternateContent xmlns:mc="http://schemas.openxmlformats.org/markup-compatibility/2006">
-        <mc:Choice xmlns:p14="http://schemas.microsoft.com/office/powerpoint/2010/main" Requires="p14">
+      <mc:AlternateContent xmlns:mc="http://schemas.openxmlformats.org/markup-compatibility/2006" xmlns:p14="http://schemas.microsoft.com/office/powerpoint/2010/main">
+        <mc:Choice Requires="p14">
           <p:contentPart p14:bwMode="auto" r:id="rId4">
             <p14:nvContentPartPr>
               <p14:cNvPr id="5" name="Ink 4">
@@ -4044,7 +4179,7 @@
             </p14:xfrm>
           </p:contentPart>
         </mc:Choice>
-        <mc:Fallback>
+        <mc:Fallback xmlns="">
           <p:pic>
             <p:nvPicPr>
               <p:cNvPr id="5" name="Ink 4">
@@ -4075,8 +4210,8 @@
           </p:pic>
         </mc:Fallback>
       </mc:AlternateContent>
-      <mc:AlternateContent xmlns:mc="http://schemas.openxmlformats.org/markup-compatibility/2006">
-        <mc:Choice xmlns:p14="http://schemas.microsoft.com/office/powerpoint/2010/main" Requires="p14">
+      <mc:AlternateContent xmlns:mc="http://schemas.openxmlformats.org/markup-compatibility/2006" xmlns:p14="http://schemas.microsoft.com/office/powerpoint/2010/main">
+        <mc:Choice Requires="p14">
           <p:contentPart p14:bwMode="auto" r:id="rId6">
             <p14:nvContentPartPr>
               <p14:cNvPr id="7" name="Ink 6">
@@ -4095,7 +4230,7 @@
             </p14:xfrm>
           </p:contentPart>
         </mc:Choice>
-        <mc:Fallback>
+        <mc:Fallback xmlns="">
           <p:pic>
             <p:nvPicPr>
               <p:cNvPr id="7" name="Ink 6">
@@ -4302,8 +4437,8 @@
           </a:p>
         </p:txBody>
       </p:sp>
-      <mc:AlternateContent xmlns:mc="http://schemas.openxmlformats.org/markup-compatibility/2006">
-        <mc:Choice xmlns:p14="http://schemas.microsoft.com/office/powerpoint/2010/main" Requires="p14">
+      <mc:AlternateContent xmlns:mc="http://schemas.openxmlformats.org/markup-compatibility/2006" xmlns:p14="http://schemas.microsoft.com/office/powerpoint/2010/main">
+        <mc:Choice Requires="p14">
           <p:contentPart p14:bwMode="auto" r:id="rId2">
             <p14:nvContentPartPr>
               <p14:cNvPr id="4" name="Ink 3">
@@ -4322,7 +4457,7 @@
             </p14:xfrm>
           </p:contentPart>
         </mc:Choice>
-        <mc:Fallback>
+        <mc:Fallback xmlns="">
           <p:pic>
             <p:nvPicPr>
               <p:cNvPr id="4" name="Ink 3">
@@ -4353,8 +4488,8 @@
           </p:pic>
         </mc:Fallback>
       </mc:AlternateContent>
-      <mc:AlternateContent xmlns:mc="http://schemas.openxmlformats.org/markup-compatibility/2006">
-        <mc:Choice xmlns:p14="http://schemas.microsoft.com/office/powerpoint/2010/main" Requires="p14">
+      <mc:AlternateContent xmlns:mc="http://schemas.openxmlformats.org/markup-compatibility/2006" xmlns:p14="http://schemas.microsoft.com/office/powerpoint/2010/main">
+        <mc:Choice Requires="p14">
           <p:contentPart p14:bwMode="auto" r:id="rId4">
             <p14:nvContentPartPr>
               <p14:cNvPr id="8" name="Ink 7">
@@ -4373,7 +4508,7 @@
             </p14:xfrm>
           </p:contentPart>
         </mc:Choice>
-        <mc:Fallback>
+        <mc:Fallback xmlns="">
           <p:pic>
             <p:nvPicPr>
               <p:cNvPr id="8" name="Ink 7">
@@ -4404,8 +4539,8 @@
           </p:pic>
         </mc:Fallback>
       </mc:AlternateContent>
-      <mc:AlternateContent xmlns:mc="http://schemas.openxmlformats.org/markup-compatibility/2006">
-        <mc:Choice xmlns:p14="http://schemas.microsoft.com/office/powerpoint/2010/main" Requires="p14">
+      <mc:AlternateContent xmlns:mc="http://schemas.openxmlformats.org/markup-compatibility/2006" xmlns:p14="http://schemas.microsoft.com/office/powerpoint/2010/main">
+        <mc:Choice Requires="p14">
           <p:contentPart p14:bwMode="auto" r:id="rId6">
             <p14:nvContentPartPr>
               <p14:cNvPr id="9" name="Ink 8">
@@ -4424,7 +4559,7 @@
             </p14:xfrm>
           </p:contentPart>
         </mc:Choice>
-        <mc:Fallback>
+        <mc:Fallback xmlns="">
           <p:pic>
             <p:nvPicPr>
               <p:cNvPr id="9" name="Ink 8">
@@ -4455,8 +4590,8 @@
           </p:pic>
         </mc:Fallback>
       </mc:AlternateContent>
-      <mc:AlternateContent xmlns:mc="http://schemas.openxmlformats.org/markup-compatibility/2006">
-        <mc:Choice xmlns:p14="http://schemas.microsoft.com/office/powerpoint/2010/main" Requires="p14">
+      <mc:AlternateContent xmlns:mc="http://schemas.openxmlformats.org/markup-compatibility/2006" xmlns:p14="http://schemas.microsoft.com/office/powerpoint/2010/main">
+        <mc:Choice Requires="p14">
           <p:contentPart p14:bwMode="auto" r:id="rId8">
             <p14:nvContentPartPr>
               <p14:cNvPr id="10" name="Ink 9">
@@ -4475,7 +4610,7 @@
             </p14:xfrm>
           </p:contentPart>
         </mc:Choice>
-        <mc:Fallback>
+        <mc:Fallback xmlns="">
           <p:pic>
             <p:nvPicPr>
               <p:cNvPr id="10" name="Ink 9">
@@ -4526,8 +4661,8 @@
             <a:chExt cx="1164600" cy="794520"/>
           </a:xfrm>
         </p:grpSpPr>
-        <mc:AlternateContent xmlns:mc="http://schemas.openxmlformats.org/markup-compatibility/2006">
-          <mc:Choice xmlns:p14="http://schemas.microsoft.com/office/powerpoint/2010/main" Requires="p14">
+        <mc:AlternateContent xmlns:mc="http://schemas.openxmlformats.org/markup-compatibility/2006" xmlns:p14="http://schemas.microsoft.com/office/powerpoint/2010/main">
+          <mc:Choice Requires="p14">
             <p:contentPart p14:bwMode="auto" r:id="rId10">
               <p14:nvContentPartPr>
                 <p14:cNvPr id="11" name="Ink 10">
@@ -4546,7 +4681,7 @@
               </p14:xfrm>
             </p:contentPart>
           </mc:Choice>
-          <mc:Fallback>
+          <mc:Fallback xmlns="">
             <p:pic>
               <p:nvPicPr>
                 <p:cNvPr id="11" name="Ink 10">
@@ -4577,8 +4712,8 @@
             </p:pic>
           </mc:Fallback>
         </mc:AlternateContent>
-        <mc:AlternateContent xmlns:mc="http://schemas.openxmlformats.org/markup-compatibility/2006">
-          <mc:Choice xmlns:p14="http://schemas.microsoft.com/office/powerpoint/2010/main" Requires="p14">
+        <mc:AlternateContent xmlns:mc="http://schemas.openxmlformats.org/markup-compatibility/2006" xmlns:p14="http://schemas.microsoft.com/office/powerpoint/2010/main">
+          <mc:Choice Requires="p14">
             <p:contentPart p14:bwMode="auto" r:id="rId12">
               <p14:nvContentPartPr>
                 <p14:cNvPr id="12" name="Ink 11">
@@ -4597,7 +4732,7 @@
               </p14:xfrm>
             </p:contentPart>
           </mc:Choice>
-          <mc:Fallback>
+          <mc:Fallback xmlns="">
             <p:pic>
               <p:nvPicPr>
                 <p:cNvPr id="12" name="Ink 11">
@@ -4830,8 +4965,8 @@
           </a:p>
         </p:txBody>
       </p:sp>
-      <mc:AlternateContent xmlns:mc="http://schemas.openxmlformats.org/markup-compatibility/2006">
-        <mc:Choice xmlns:p14="http://schemas.microsoft.com/office/powerpoint/2010/main" Requires="p14">
+      <mc:AlternateContent xmlns:mc="http://schemas.openxmlformats.org/markup-compatibility/2006" xmlns:p14="http://schemas.microsoft.com/office/powerpoint/2010/main">
+        <mc:Choice Requires="p14">
           <p:contentPart p14:bwMode="auto" r:id="rId2">
             <p14:nvContentPartPr>
               <p14:cNvPr id="7" name="Ink 6">
@@ -4850,7 +4985,7 @@
             </p14:xfrm>
           </p:contentPart>
         </mc:Choice>
-        <mc:Fallback>
+        <mc:Fallback xmlns="">
           <p:pic>
             <p:nvPicPr>
               <p:cNvPr id="7" name="Ink 6">
@@ -4901,8 +5036,8 @@
             <a:chExt cx="568440" cy="241200"/>
           </a:xfrm>
         </p:grpSpPr>
-        <mc:AlternateContent xmlns:mc="http://schemas.openxmlformats.org/markup-compatibility/2006">
-          <mc:Choice xmlns:p14="http://schemas.microsoft.com/office/powerpoint/2010/main" Requires="p14">
+        <mc:AlternateContent xmlns:mc="http://schemas.openxmlformats.org/markup-compatibility/2006" xmlns:p14="http://schemas.microsoft.com/office/powerpoint/2010/main">
+          <mc:Choice Requires="p14">
             <p:contentPart p14:bwMode="auto" r:id="rId4">
               <p14:nvContentPartPr>
                 <p14:cNvPr id="8" name="Ink 7">
@@ -4921,7 +5056,7 @@
               </p14:xfrm>
             </p:contentPart>
           </mc:Choice>
-          <mc:Fallback>
+          <mc:Fallback xmlns="">
             <p:pic>
               <p:nvPicPr>
                 <p:cNvPr id="8" name="Ink 7">
@@ -4952,8 +5087,8 @@
             </p:pic>
           </mc:Fallback>
         </mc:AlternateContent>
-        <mc:AlternateContent xmlns:mc="http://schemas.openxmlformats.org/markup-compatibility/2006">
-          <mc:Choice xmlns:p14="http://schemas.microsoft.com/office/powerpoint/2010/main" Requires="p14">
+        <mc:AlternateContent xmlns:mc="http://schemas.openxmlformats.org/markup-compatibility/2006" xmlns:p14="http://schemas.microsoft.com/office/powerpoint/2010/main">
+          <mc:Choice Requires="p14">
             <p:contentPart p14:bwMode="auto" r:id="rId6">
               <p14:nvContentPartPr>
                 <p14:cNvPr id="9" name="Ink 8">
@@ -4972,7 +5107,7 @@
               </p14:xfrm>
             </p:contentPart>
           </mc:Choice>
-          <mc:Fallback>
+          <mc:Fallback xmlns="">
             <p:pic>
               <p:nvPicPr>
                 <p:cNvPr id="9" name="Ink 8">
@@ -5024,8 +5159,8 @@
             <a:chExt cx="429840" cy="176400"/>
           </a:xfrm>
         </p:grpSpPr>
-        <mc:AlternateContent xmlns:mc="http://schemas.openxmlformats.org/markup-compatibility/2006">
-          <mc:Choice xmlns:p14="http://schemas.microsoft.com/office/powerpoint/2010/main" Requires="p14">
+        <mc:AlternateContent xmlns:mc="http://schemas.openxmlformats.org/markup-compatibility/2006" xmlns:p14="http://schemas.microsoft.com/office/powerpoint/2010/main">
+          <mc:Choice Requires="p14">
             <p:contentPart p14:bwMode="auto" r:id="rId8">
               <p14:nvContentPartPr>
                 <p14:cNvPr id="10" name="Ink 9">
@@ -5044,7 +5179,7 @@
               </p14:xfrm>
             </p:contentPart>
           </mc:Choice>
-          <mc:Fallback>
+          <mc:Fallback xmlns="">
             <p:pic>
               <p:nvPicPr>
                 <p:cNvPr id="10" name="Ink 9">
@@ -5075,8 +5210,8 @@
             </p:pic>
           </mc:Fallback>
         </mc:AlternateContent>
-        <mc:AlternateContent xmlns:mc="http://schemas.openxmlformats.org/markup-compatibility/2006">
-          <mc:Choice xmlns:p14="http://schemas.microsoft.com/office/powerpoint/2010/main" Requires="p14">
+        <mc:AlternateContent xmlns:mc="http://schemas.openxmlformats.org/markup-compatibility/2006" xmlns:p14="http://schemas.microsoft.com/office/powerpoint/2010/main">
+          <mc:Choice Requires="p14">
             <p:contentPart p14:bwMode="auto" r:id="rId10">
               <p14:nvContentPartPr>
                 <p14:cNvPr id="11" name="Ink 10">
@@ -5095,7 +5230,7 @@
               </p14:xfrm>
             </p:contentPart>
           </mc:Choice>
-          <mc:Fallback>
+          <mc:Fallback xmlns="">
             <p:pic>
               <p:nvPicPr>
                 <p:cNvPr id="11" name="Ink 10">
@@ -5147,8 +5282,8 @@
             <a:chExt cx="437040" cy="245520"/>
           </a:xfrm>
         </p:grpSpPr>
-        <mc:AlternateContent xmlns:mc="http://schemas.openxmlformats.org/markup-compatibility/2006">
-          <mc:Choice xmlns:p14="http://schemas.microsoft.com/office/powerpoint/2010/main" Requires="p14">
+        <mc:AlternateContent xmlns:mc="http://schemas.openxmlformats.org/markup-compatibility/2006" xmlns:p14="http://schemas.microsoft.com/office/powerpoint/2010/main">
+          <mc:Choice Requires="p14">
             <p:contentPart p14:bwMode="auto" r:id="rId12">
               <p14:nvContentPartPr>
                 <p14:cNvPr id="12" name="Ink 11">
@@ -5167,7 +5302,7 @@
               </p14:xfrm>
             </p:contentPart>
           </mc:Choice>
-          <mc:Fallback>
+          <mc:Fallback xmlns="">
             <p:pic>
               <p:nvPicPr>
                 <p:cNvPr id="12" name="Ink 11">
@@ -5198,8 +5333,8 @@
             </p:pic>
           </mc:Fallback>
         </mc:AlternateContent>
-        <mc:AlternateContent xmlns:mc="http://schemas.openxmlformats.org/markup-compatibility/2006">
-          <mc:Choice xmlns:p14="http://schemas.microsoft.com/office/powerpoint/2010/main" Requires="p14">
+        <mc:AlternateContent xmlns:mc="http://schemas.openxmlformats.org/markup-compatibility/2006" xmlns:p14="http://schemas.microsoft.com/office/powerpoint/2010/main">
+          <mc:Choice Requires="p14">
             <p:contentPart p14:bwMode="auto" r:id="rId14">
               <p14:nvContentPartPr>
                 <p14:cNvPr id="13" name="Ink 12">
@@ -5218,7 +5353,7 @@
               </p14:xfrm>
             </p:contentPart>
           </mc:Choice>
-          <mc:Fallback>
+          <mc:Fallback xmlns="">
             <p:pic>
               <p:nvPicPr>
                 <p:cNvPr id="13" name="Ink 12">
@@ -5270,8 +5405,8 @@
             <a:chExt cx="533880" cy="303840"/>
           </a:xfrm>
         </p:grpSpPr>
-        <mc:AlternateContent xmlns:mc="http://schemas.openxmlformats.org/markup-compatibility/2006">
-          <mc:Choice xmlns:p14="http://schemas.microsoft.com/office/powerpoint/2010/main" Requires="p14">
+        <mc:AlternateContent xmlns:mc="http://schemas.openxmlformats.org/markup-compatibility/2006" xmlns:p14="http://schemas.microsoft.com/office/powerpoint/2010/main">
+          <mc:Choice Requires="p14">
             <p:contentPart p14:bwMode="auto" r:id="rId16">
               <p14:nvContentPartPr>
                 <p14:cNvPr id="14" name="Ink 13">
@@ -5290,7 +5425,7 @@
               </p14:xfrm>
             </p:contentPart>
           </mc:Choice>
-          <mc:Fallback>
+          <mc:Fallback xmlns="">
             <p:pic>
               <p:nvPicPr>
                 <p:cNvPr id="14" name="Ink 13">
@@ -5321,8 +5456,8 @@
             </p:pic>
           </mc:Fallback>
         </mc:AlternateContent>
-        <mc:AlternateContent xmlns:mc="http://schemas.openxmlformats.org/markup-compatibility/2006">
-          <mc:Choice xmlns:p14="http://schemas.microsoft.com/office/powerpoint/2010/main" Requires="p14">
+        <mc:AlternateContent xmlns:mc="http://schemas.openxmlformats.org/markup-compatibility/2006" xmlns:p14="http://schemas.microsoft.com/office/powerpoint/2010/main">
+          <mc:Choice Requires="p14">
             <p:contentPart p14:bwMode="auto" r:id="rId18">
               <p14:nvContentPartPr>
                 <p14:cNvPr id="15" name="Ink 14">
@@ -5341,7 +5476,7 @@
               </p14:xfrm>
             </p:contentPart>
           </mc:Choice>
-          <mc:Fallback>
+          <mc:Fallback xmlns="">
             <p:pic>
               <p:nvPicPr>
                 <p:cNvPr id="15" name="Ink 14">
@@ -5932,8 +6067,12 @@
           </a:lstStyle>
           <a:p>
             <a:r>
+              <a:rPr lang="de-DE" dirty="0"/>
+              <a:t>Player </a:t>
+            </a:r>
+            <a:r>
               <a:rPr lang="de-DE" dirty="0" err="1"/>
-              <a:t>Grappling</a:t>
+              <a:t>feedback</a:t>
             </a:r>
             <a:r>
               <a:rPr lang="de-DE" dirty="0"/>
@@ -5941,7 +6080,7 @@
             </a:r>
             <a:r>
               <a:rPr lang="de-DE" dirty="0" err="1"/>
-              <a:t>state</a:t>
+              <a:t>through</a:t>
             </a:r>
             <a:r>
               <a:rPr lang="de-DE" dirty="0"/>
@@ -5949,7 +6088,7 @@
             </a:r>
             <a:r>
               <a:rPr lang="de-DE" dirty="0" err="1"/>
-              <a:t>feedback</a:t>
+              <a:t>animation</a:t>
             </a:r>
             <a:endParaRPr lang="de-DE" dirty="0"/>
           </a:p>
@@ -5962,6 +6101,13 @@
               <a:rPr lang="de-DE" dirty="0"/>
               <a:t> Animation</a:t>
             </a:r>
+          </a:p>
+          <a:p>
+            <a:r>
+              <a:rPr lang="de-DE" dirty="0" err="1"/>
+              <a:t>Implementaion</a:t>
+            </a:r>
+            <a:endParaRPr lang="de-DE" dirty="0"/>
           </a:p>
         </p:txBody>
       </p:sp>
@@ -5998,6 +6144,36 @@
             <a:off x="6709251" y="1825625"/>
             <a:ext cx="4351338" cy="4351338"/>
           </a:xfrm>
+        </p:spPr>
+      </p:pic>
+      <p:pic>
+        <p:nvPicPr>
+          <p:cNvPr id="4" name="Picture 3">
+            <a:extLst>
+              <a:ext uri="{FF2B5EF4-FFF2-40B4-BE49-F238E27FC236}">
+                <a16:creationId xmlns:a16="http://schemas.microsoft.com/office/drawing/2014/main" id="{DE54024D-2477-899E-4453-A3F87B44C0FF}"/>
+              </a:ext>
+            </a:extLst>
+          </p:cNvPr>
+          <p:cNvPicPr>
+            <a:picLocks noChangeAspect="1"/>
+          </p:cNvPicPr>
+          <p:nvPr/>
+        </p:nvPicPr>
+        <p:blipFill>
+          <a:blip r:embed="rId3"/>
+          <a:stretch>
+            <a:fillRect/>
+          </a:stretch>
+        </p:blipFill>
+        <p:spPr>
+          <a:xfrm>
+            <a:off x="838200" y="3459559"/>
+            <a:ext cx="4851775" cy="2852341"/>
+          </a:xfrm>
+          <a:prstGeom prst="rect">
+            <a:avLst/>
+          </a:prstGeom>
         </p:spPr>
       </p:pic>
     </p:spTree>
